--- a/獻上自己為祭(崇拜版).pptx
+++ b/獻上自己為祭(崇拜版).pptx
@@ -6,10 +6,9 @@
   </p:sldMasterIdLst>
   <p:sldIdLst>
     <p:sldId id="256" r:id="rId2"/>
-    <p:sldId id="257" r:id="rId3"/>
-    <p:sldId id="258" r:id="rId4"/>
+    <p:sldId id="258" r:id="rId3"/>
   </p:sldIdLst>
-  <p:sldSz cx="9144000" cy="6858000" type="screen4x3"/>
+  <p:sldSz cx="9144000" cy="5143500" type="screen16x9"/>
   <p:notesSz cx="6858000" cy="9144000"/>
   <p:defaultTextStyle>
     <a:defPPr>
@@ -138,8 +137,8 @@
         </p:nvSpPr>
         <p:spPr>
           <a:xfrm>
-            <a:off x="685800" y="2130425"/>
-            <a:ext cx="7772400" cy="1470025"/>
+            <a:off x="685800" y="1597819"/>
+            <a:ext cx="7772400" cy="1102519"/>
           </a:xfrm>
         </p:spPr>
         <p:txBody>
@@ -166,8 +165,8 @@
         </p:nvSpPr>
         <p:spPr>
           <a:xfrm>
-            <a:off x="1371600" y="3886200"/>
-            <a:ext cx="6400800" cy="1752600"/>
+            <a:off x="1371600" y="2914650"/>
+            <a:ext cx="6400800" cy="1314450"/>
           </a:xfrm>
         </p:spPr>
         <p:txBody>
@@ -290,7 +289,7 @@
           <a:p>
             <a:fld id="{29A7CDF0-D54D-42B9-BBD7-855BA25B4BF7}" type="datetimeFigureOut">
               <a:rPr lang="zh-TW" altLang="en-US" smtClean="0"/>
-              <a:t>2017/8/20</a:t>
+              <a:t>2019/7/27</a:t>
             </a:fld>
             <a:endParaRPr lang="zh-TW" altLang="en-US"/>
           </a:p>
@@ -455,7 +454,7 @@
           <a:p>
             <a:fld id="{29A7CDF0-D54D-42B9-BBD7-855BA25B4BF7}" type="datetimeFigureOut">
               <a:rPr lang="zh-TW" altLang="en-US" smtClean="0"/>
-              <a:t>2017/8/20</a:t>
+              <a:t>2019/7/27</a:t>
             </a:fld>
             <a:endParaRPr lang="zh-TW" altLang="en-US"/>
           </a:p>
@@ -540,8 +539,8 @@
         </p:nvSpPr>
         <p:spPr>
           <a:xfrm>
-            <a:off x="6629400" y="274638"/>
-            <a:ext cx="2057400" cy="5851525"/>
+            <a:off x="6629400" y="205979"/>
+            <a:ext cx="2057400" cy="4388644"/>
           </a:xfrm>
         </p:spPr>
         <p:txBody>
@@ -568,8 +567,8 @@
         </p:nvSpPr>
         <p:spPr>
           <a:xfrm>
-            <a:off x="457200" y="274638"/>
-            <a:ext cx="6019800" cy="5851525"/>
+            <a:off x="457200" y="205979"/>
+            <a:ext cx="6019800" cy="4388644"/>
           </a:xfrm>
         </p:spPr>
         <p:txBody>
@@ -630,7 +629,7 @@
           <a:p>
             <a:fld id="{29A7CDF0-D54D-42B9-BBD7-855BA25B4BF7}" type="datetimeFigureOut">
               <a:rPr lang="zh-TW" altLang="en-US" smtClean="0"/>
-              <a:t>2017/8/20</a:t>
+              <a:t>2019/7/27</a:t>
             </a:fld>
             <a:endParaRPr lang="zh-TW" altLang="en-US"/>
           </a:p>
@@ -795,7 +794,7 @@
           <a:p>
             <a:fld id="{29A7CDF0-D54D-42B9-BBD7-855BA25B4BF7}" type="datetimeFigureOut">
               <a:rPr lang="zh-TW" altLang="en-US" smtClean="0"/>
-              <a:t>2017/8/20</a:t>
+              <a:t>2019/7/27</a:t>
             </a:fld>
             <a:endParaRPr lang="zh-TW" altLang="en-US"/>
           </a:p>
@@ -880,8 +879,8 @@
         </p:nvSpPr>
         <p:spPr>
           <a:xfrm>
-            <a:off x="722313" y="4406900"/>
-            <a:ext cx="7772400" cy="1362075"/>
+            <a:off x="722313" y="3305176"/>
+            <a:ext cx="7772400" cy="1021556"/>
           </a:xfrm>
         </p:spPr>
         <p:txBody>
@@ -912,8 +911,8 @@
         </p:nvSpPr>
         <p:spPr>
           <a:xfrm>
-            <a:off x="722313" y="2906713"/>
-            <a:ext cx="7772400" cy="1500187"/>
+            <a:off x="722313" y="2180035"/>
+            <a:ext cx="7772400" cy="1125140"/>
           </a:xfrm>
         </p:spPr>
         <p:txBody>
@@ -1036,7 +1035,7 @@
           <a:p>
             <a:fld id="{29A7CDF0-D54D-42B9-BBD7-855BA25B4BF7}" type="datetimeFigureOut">
               <a:rPr lang="zh-TW" altLang="en-US" smtClean="0"/>
-              <a:t>2017/8/20</a:t>
+              <a:t>2019/7/27</a:t>
             </a:fld>
             <a:endParaRPr lang="zh-TW" altLang="en-US"/>
           </a:p>
@@ -1144,8 +1143,8 @@
         </p:nvSpPr>
         <p:spPr>
           <a:xfrm>
-            <a:off x="457200" y="1600200"/>
-            <a:ext cx="4038600" cy="4525963"/>
+            <a:off x="457200" y="1200151"/>
+            <a:ext cx="4038600" cy="3394472"/>
           </a:xfrm>
         </p:spPr>
         <p:txBody>
@@ -1229,8 +1228,8 @@
         </p:nvSpPr>
         <p:spPr>
           <a:xfrm>
-            <a:off x="4648200" y="1600200"/>
-            <a:ext cx="4038600" cy="4525963"/>
+            <a:off x="4648200" y="1200151"/>
+            <a:ext cx="4038600" cy="3394472"/>
           </a:xfrm>
         </p:spPr>
         <p:txBody>
@@ -1319,7 +1318,7 @@
           <a:p>
             <a:fld id="{29A7CDF0-D54D-42B9-BBD7-855BA25B4BF7}" type="datetimeFigureOut">
               <a:rPr lang="zh-TW" altLang="en-US" smtClean="0"/>
-              <a:t>2017/8/20</a:t>
+              <a:t>2019/7/27</a:t>
             </a:fld>
             <a:endParaRPr lang="zh-TW" altLang="en-US"/>
           </a:p>
@@ -1431,8 +1430,8 @@
         </p:nvSpPr>
         <p:spPr>
           <a:xfrm>
-            <a:off x="457200" y="1535113"/>
-            <a:ext cx="4040188" cy="639762"/>
+            <a:off x="457200" y="1151335"/>
+            <a:ext cx="4040188" cy="479822"/>
           </a:xfrm>
         </p:spPr>
         <p:txBody>
@@ -1496,8 +1495,8 @@
         </p:nvSpPr>
         <p:spPr>
           <a:xfrm>
-            <a:off x="457200" y="2174875"/>
-            <a:ext cx="4040188" cy="3951288"/>
+            <a:off x="457200" y="1631156"/>
+            <a:ext cx="4040188" cy="2963466"/>
           </a:xfrm>
         </p:spPr>
         <p:txBody>
@@ -1581,8 +1580,8 @@
         </p:nvSpPr>
         <p:spPr>
           <a:xfrm>
-            <a:off x="4645025" y="1535113"/>
-            <a:ext cx="4041775" cy="639762"/>
+            <a:off x="4645026" y="1151335"/>
+            <a:ext cx="4041775" cy="479822"/>
           </a:xfrm>
         </p:spPr>
         <p:txBody>
@@ -1646,8 +1645,8 @@
         </p:nvSpPr>
         <p:spPr>
           <a:xfrm>
-            <a:off x="4645025" y="2174875"/>
-            <a:ext cx="4041775" cy="3951288"/>
+            <a:off x="4645026" y="1631156"/>
+            <a:ext cx="4041775" cy="2963466"/>
           </a:xfrm>
         </p:spPr>
         <p:txBody>
@@ -1736,7 +1735,7 @@
           <a:p>
             <a:fld id="{29A7CDF0-D54D-42B9-BBD7-855BA25B4BF7}" type="datetimeFigureOut">
               <a:rPr lang="zh-TW" altLang="en-US" smtClean="0"/>
-              <a:t>2017/8/20</a:t>
+              <a:t>2019/7/27</a:t>
             </a:fld>
             <a:endParaRPr lang="zh-TW" altLang="en-US"/>
           </a:p>
@@ -1849,7 +1848,7 @@
           <a:p>
             <a:fld id="{29A7CDF0-D54D-42B9-BBD7-855BA25B4BF7}" type="datetimeFigureOut">
               <a:rPr lang="zh-TW" altLang="en-US" smtClean="0"/>
-              <a:t>2017/8/20</a:t>
+              <a:t>2019/7/27</a:t>
             </a:fld>
             <a:endParaRPr lang="zh-TW" altLang="en-US"/>
           </a:p>
@@ -1939,7 +1938,7 @@
           <a:p>
             <a:fld id="{29A7CDF0-D54D-42B9-BBD7-855BA25B4BF7}" type="datetimeFigureOut">
               <a:rPr lang="zh-TW" altLang="en-US" smtClean="0"/>
-              <a:t>2017/8/20</a:t>
+              <a:t>2019/7/27</a:t>
             </a:fld>
             <a:endParaRPr lang="zh-TW" altLang="en-US"/>
           </a:p>
@@ -2024,8 +2023,8 @@
         </p:nvSpPr>
         <p:spPr>
           <a:xfrm>
-            <a:off x="457200" y="273050"/>
-            <a:ext cx="3008313" cy="1162050"/>
+            <a:off x="457201" y="204787"/>
+            <a:ext cx="3008313" cy="871538"/>
           </a:xfrm>
         </p:spPr>
         <p:txBody>
@@ -2056,8 +2055,8 @@
         </p:nvSpPr>
         <p:spPr>
           <a:xfrm>
-            <a:off x="3575050" y="273050"/>
-            <a:ext cx="5111750" cy="5853113"/>
+            <a:off x="3575050" y="204788"/>
+            <a:ext cx="5111750" cy="4389835"/>
           </a:xfrm>
         </p:spPr>
         <p:txBody>
@@ -2141,8 +2140,8 @@
         </p:nvSpPr>
         <p:spPr>
           <a:xfrm>
-            <a:off x="457200" y="1435100"/>
-            <a:ext cx="3008313" cy="4691063"/>
+            <a:off x="457201" y="1076326"/>
+            <a:ext cx="3008313" cy="3518297"/>
           </a:xfrm>
         </p:spPr>
         <p:txBody>
@@ -2211,7 +2210,7 @@
           <a:p>
             <a:fld id="{29A7CDF0-D54D-42B9-BBD7-855BA25B4BF7}" type="datetimeFigureOut">
               <a:rPr lang="zh-TW" altLang="en-US" smtClean="0"/>
-              <a:t>2017/8/20</a:t>
+              <a:t>2019/7/27</a:t>
             </a:fld>
             <a:endParaRPr lang="zh-TW" altLang="en-US"/>
           </a:p>
@@ -2296,8 +2295,8 @@
         </p:nvSpPr>
         <p:spPr>
           <a:xfrm>
-            <a:off x="1792288" y="4800600"/>
-            <a:ext cx="5486400" cy="566738"/>
+            <a:off x="1792288" y="3600450"/>
+            <a:ext cx="5486400" cy="425054"/>
           </a:xfrm>
         </p:spPr>
         <p:txBody>
@@ -2328,8 +2327,8 @@
         </p:nvSpPr>
         <p:spPr>
           <a:xfrm>
-            <a:off x="1792288" y="612775"/>
-            <a:ext cx="5486400" cy="4114800"/>
+            <a:off x="1792288" y="459581"/>
+            <a:ext cx="5486400" cy="3086100"/>
           </a:xfrm>
         </p:spPr>
         <p:txBody>
@@ -2393,8 +2392,8 @@
         </p:nvSpPr>
         <p:spPr>
           <a:xfrm>
-            <a:off x="1792288" y="5367338"/>
-            <a:ext cx="5486400" cy="804862"/>
+            <a:off x="1792288" y="4025503"/>
+            <a:ext cx="5486400" cy="603647"/>
           </a:xfrm>
         </p:spPr>
         <p:txBody>
@@ -2463,7 +2462,7 @@
           <a:p>
             <a:fld id="{29A7CDF0-D54D-42B9-BBD7-855BA25B4BF7}" type="datetimeFigureOut">
               <a:rPr lang="zh-TW" altLang="en-US" smtClean="0"/>
-              <a:t>2017/8/20</a:t>
+              <a:t>2019/7/27</a:t>
             </a:fld>
             <a:endParaRPr lang="zh-TW" altLang="en-US"/>
           </a:p>
@@ -2558,8 +2557,8 @@
         </p:nvSpPr>
         <p:spPr>
           <a:xfrm>
-            <a:off x="457200" y="274638"/>
-            <a:ext cx="8229600" cy="1143000"/>
+            <a:off x="457200" y="205979"/>
+            <a:ext cx="8229600" cy="857250"/>
           </a:xfrm>
           <a:prstGeom prst="rect">
             <a:avLst/>
@@ -2591,8 +2590,8 @@
         </p:nvSpPr>
         <p:spPr>
           <a:xfrm>
-            <a:off x="457200" y="1600200"/>
-            <a:ext cx="8229600" cy="4525963"/>
+            <a:off x="457200" y="1200151"/>
+            <a:ext cx="8229600" cy="3394472"/>
           </a:xfrm>
           <a:prstGeom prst="rect">
             <a:avLst/>
@@ -2653,8 +2652,8 @@
         </p:nvSpPr>
         <p:spPr>
           <a:xfrm>
-            <a:off x="457200" y="6356350"/>
-            <a:ext cx="2133600" cy="365125"/>
+            <a:off x="457200" y="4767263"/>
+            <a:ext cx="2133600" cy="273844"/>
           </a:xfrm>
           <a:prstGeom prst="rect">
             <a:avLst/>
@@ -2676,7 +2675,7 @@
           <a:p>
             <a:fld id="{29A7CDF0-D54D-42B9-BBD7-855BA25B4BF7}" type="datetimeFigureOut">
               <a:rPr lang="zh-TW" altLang="en-US" smtClean="0"/>
-              <a:t>2017/8/20</a:t>
+              <a:t>2019/7/27</a:t>
             </a:fld>
             <a:endParaRPr lang="zh-TW" altLang="en-US"/>
           </a:p>
@@ -2694,8 +2693,8 @@
         </p:nvSpPr>
         <p:spPr>
           <a:xfrm>
-            <a:off x="3124200" y="6356350"/>
-            <a:ext cx="2895600" cy="365125"/>
+            <a:off x="3124200" y="4767263"/>
+            <a:ext cx="2895600" cy="273844"/>
           </a:xfrm>
           <a:prstGeom prst="rect">
             <a:avLst/>
@@ -2731,8 +2730,8 @@
         </p:nvSpPr>
         <p:spPr>
           <a:xfrm>
-            <a:off x="6553200" y="6356350"/>
-            <a:ext cx="2133600" cy="365125"/>
+            <a:off x="6553200" y="4767263"/>
+            <a:ext cx="2133600" cy="273844"/>
           </a:xfrm>
           <a:prstGeom prst="rect">
             <a:avLst/>
@@ -3056,13 +3055,20 @@
             <p:ph type="title"/>
           </p:nvPr>
         </p:nvSpPr>
-        <p:spPr/>
-        <p:txBody>
-          <a:bodyPr/>
-          <a:lstStyle/>
-          <a:p>
-            <a:r>
-              <a:rPr lang="zh-TW" altLang="en-US" b="1" dirty="0" smtClean="0">
+        <p:spPr>
+          <a:xfrm>
+            <a:off x="467544" y="0"/>
+            <a:ext cx="8229600" cy="857250"/>
+          </a:xfrm>
+        </p:spPr>
+        <p:txBody>
+          <a:bodyPr>
+            <a:normAutofit/>
+          </a:bodyPr>
+          <a:lstStyle/>
+          <a:p>
+            <a:r>
+              <a:rPr lang="zh-TW" altLang="en-US" sz="4000" b="1" dirty="0" smtClean="0">
                 <a:solidFill>
                   <a:srgbClr val="000066"/>
                 </a:solidFill>
@@ -3071,7 +3077,7 @@
               </a:rPr>
               <a:t>獻上自己為祭</a:t>
             </a:r>
-            <a:endParaRPr lang="zh-TW" altLang="en-US" b="1" dirty="0">
+            <a:endParaRPr lang="zh-TW" altLang="en-US" sz="4000" b="1" dirty="0">
               <a:solidFill>
                 <a:srgbClr val="000066"/>
               </a:solidFill>
@@ -3091,10 +3097,15 @@
             <p:ph idx="1"/>
           </p:nvPr>
         </p:nvSpPr>
-        <p:spPr/>
+        <p:spPr>
+          <a:xfrm>
+            <a:off x="0" y="1200151"/>
+            <a:ext cx="9144000" cy="3394472"/>
+          </a:xfrm>
+        </p:spPr>
         <p:txBody>
           <a:bodyPr>
-            <a:normAutofit/>
+            <a:noAutofit/>
           </a:bodyPr>
           <a:lstStyle/>
           <a:p>
@@ -3102,7 +3113,7 @@
               <a:buNone/>
             </a:pPr>
             <a:r>
-              <a:rPr lang="zh-TW" altLang="en-US" sz="5400" b="1" dirty="0" smtClean="0">
+              <a:rPr lang="zh-TW" altLang="en-US" sz="4800" b="1" dirty="0" smtClean="0">
                 <a:solidFill>
                   <a:srgbClr val="000066"/>
                 </a:solidFill>
@@ -3112,7 +3123,7 @@
               <a:t>獻上自己為</a:t>
             </a:r>
             <a:r>
-              <a:rPr lang="zh-TW" altLang="en-US" sz="5400" b="1" dirty="0" smtClean="0">
+              <a:rPr lang="zh-TW" altLang="en-US" sz="4800" b="1" dirty="0" smtClean="0">
                 <a:solidFill>
                   <a:srgbClr val="000066"/>
                 </a:solidFill>
@@ -3121,7 +3132,47 @@
               </a:rPr>
               <a:t>祭</a:t>
             </a:r>
-            <a:endParaRPr lang="en-US" altLang="zh-TW" sz="5400" b="1" dirty="0" smtClean="0">
+            <a:r>
+              <a:rPr lang="en-US" altLang="zh-TW" sz="4800" b="1" dirty="0">
+                <a:solidFill>
+                  <a:srgbClr val="000066"/>
+                </a:solidFill>
+                <a:latin typeface="微軟正黑體" pitchFamily="34" charset="-120"/>
+                <a:ea typeface="微軟正黑體" pitchFamily="34" charset="-120"/>
+              </a:rPr>
+              <a:t> </a:t>
+            </a:r>
+            <a:r>
+              <a:rPr lang="en-US" altLang="zh-TW" sz="4800" b="1" dirty="0" smtClean="0">
+                <a:solidFill>
+                  <a:srgbClr val="000066"/>
+                </a:solidFill>
+                <a:latin typeface="微軟正黑體" pitchFamily="34" charset="-120"/>
+                <a:ea typeface="微軟正黑體" pitchFamily="34" charset="-120"/>
+              </a:rPr>
+              <a:t> </a:t>
+            </a:r>
+            <a:r>
+              <a:rPr lang="zh-TW" altLang="en-US" sz="4800" b="1" dirty="0" smtClean="0">
+                <a:solidFill>
+                  <a:srgbClr val="000066"/>
+                </a:solidFill>
+                <a:latin typeface="微軟正黑體" pitchFamily="34" charset="-120"/>
+                <a:ea typeface="微軟正黑體" pitchFamily="34" charset="-120"/>
+              </a:rPr>
+              <a:t>完</a:t>
+            </a:r>
+            <a:r>
+              <a:rPr lang="zh-TW" altLang="en-US" sz="4800" b="1" dirty="0" smtClean="0">
+                <a:solidFill>
+                  <a:srgbClr val="000066"/>
+                </a:solidFill>
+                <a:latin typeface="微軟正黑體" pitchFamily="34" charset="-120"/>
+                <a:ea typeface="微軟正黑體" pitchFamily="34" charset="-120"/>
+              </a:rPr>
+              <a:t>全降服於你</a:t>
+            </a:r>
+            <a:endParaRPr lang="en-US" altLang="zh-TW" sz="4800" b="1" dirty="0" smtClean="0">
               <a:solidFill>
                 <a:srgbClr val="000066"/>
               </a:solidFill>
@@ -3134,36 +3185,76 @@
               <a:buNone/>
             </a:pPr>
             <a:r>
-              <a:rPr lang="zh-TW" altLang="en-US" sz="5400" b="1" dirty="0" smtClean="0">
+              <a:rPr lang="zh-TW" altLang="en-US" sz="4800" b="1" dirty="0" smtClean="0">
                 <a:solidFill>
                   <a:srgbClr val="000066"/>
                 </a:solidFill>
                 <a:latin typeface="微軟正黑體" pitchFamily="34" charset="-120"/>
                 <a:ea typeface="微軟正黑體" pitchFamily="34" charset="-120"/>
               </a:rPr>
-              <a:t>完全</a:t>
-            </a:r>
-            <a:r>
-              <a:rPr lang="zh-TW" altLang="en-US" sz="5400" b="1" dirty="0" smtClean="0">
+              <a:t>靈火熊熊來焚</a:t>
+            </a:r>
+            <a:r>
+              <a:rPr lang="zh-TW" altLang="en-US" sz="4800" b="1" dirty="0" smtClean="0">
                 <a:solidFill>
                   <a:srgbClr val="000066"/>
                 </a:solidFill>
                 <a:latin typeface="微軟正黑體" pitchFamily="34" charset="-120"/>
                 <a:ea typeface="微軟正黑體" pitchFamily="34" charset="-120"/>
               </a:rPr>
-              <a:t>降服於</a:t>
-            </a:r>
-            <a:r>
-              <a:rPr lang="zh-TW" altLang="en-US" sz="5400" b="1" dirty="0" smtClean="0">
+              <a:t>燒</a:t>
+            </a:r>
+            <a:r>
+              <a:rPr lang="en-US" altLang="zh-TW" sz="4800" b="1" dirty="0" smtClean="0">
                 <a:solidFill>
                   <a:srgbClr val="000066"/>
                 </a:solidFill>
                 <a:latin typeface="微軟正黑體" pitchFamily="34" charset="-120"/>
                 <a:ea typeface="微軟正黑體" pitchFamily="34" charset="-120"/>
               </a:rPr>
-              <a:t>你</a:t>
-            </a:r>
-            <a:endParaRPr lang="en-US" altLang="zh-TW" sz="5400" b="1" dirty="0" smtClean="0">
+              <a:t> </a:t>
+            </a:r>
+            <a:r>
+              <a:rPr lang="en-US" altLang="zh-TW" sz="4800" b="1" dirty="0" smtClean="0">
+                <a:solidFill>
+                  <a:srgbClr val="000066"/>
+                </a:solidFill>
+                <a:latin typeface="微軟正黑體" pitchFamily="34" charset="-120"/>
+                <a:ea typeface="微軟正黑體" pitchFamily="34" charset="-120"/>
+              </a:rPr>
+              <a:t> </a:t>
+            </a:r>
+            <a:r>
+              <a:rPr lang="zh-TW" altLang="en-US" sz="4800" b="1" dirty="0" smtClean="0">
+                <a:solidFill>
+                  <a:srgbClr val="000066"/>
+                </a:solidFill>
+                <a:latin typeface="微軟正黑體" pitchFamily="34" charset="-120"/>
+                <a:ea typeface="微軟正黑體" pitchFamily="34" charset="-120"/>
+              </a:rPr>
+              <a:t>恩</a:t>
+            </a:r>
+            <a:r>
+              <a:rPr lang="zh-TW" altLang="en-US" sz="4800" b="1" dirty="0" smtClean="0">
+                <a:solidFill>
+                  <a:srgbClr val="000066"/>
+                </a:solidFill>
+                <a:latin typeface="微軟正黑體" pitchFamily="34" charset="-120"/>
+                <a:ea typeface="微軟正黑體" pitchFamily="34" charset="-120"/>
+              </a:rPr>
+              <a:t>膏厚厚濕衣</a:t>
+            </a:r>
+            <a:r>
+              <a:rPr lang="zh-TW" altLang="en-US" sz="4800" b="1" dirty="0" smtClean="0">
+                <a:solidFill>
+                  <a:srgbClr val="000066"/>
+                </a:solidFill>
+                <a:latin typeface="微軟正黑體" pitchFamily="34" charset="-120"/>
+                <a:ea typeface="微軟正黑體" pitchFamily="34" charset="-120"/>
+              </a:rPr>
+              <a:t>襟</a:t>
+            </a:r>
+            <a:endParaRPr lang="en-US" altLang="zh-TW" sz="4800" b="1" dirty="0" smtClean="0">
               <a:solidFill>
                 <a:srgbClr val="000066"/>
               </a:solidFill>
@@ -3176,36 +3267,66 @@
               <a:buNone/>
             </a:pPr>
             <a:r>
-              <a:rPr lang="zh-TW" altLang="en-US" sz="5400" b="1" dirty="0" smtClean="0">
+              <a:rPr lang="zh-TW" altLang="en-US" sz="4800" b="1" dirty="0">
                 <a:solidFill>
                   <a:srgbClr val="000066"/>
                 </a:solidFill>
                 <a:latin typeface="微軟正黑體" pitchFamily="34" charset="-120"/>
                 <a:ea typeface="微軟正黑體" pitchFamily="34" charset="-120"/>
               </a:rPr>
-              <a:t>靈</a:t>
-            </a:r>
-            <a:r>
-              <a:rPr lang="zh-TW" altLang="en-US" sz="5400" b="1" dirty="0" smtClean="0">
+              <a:t>邁開征戰步</a:t>
+            </a:r>
+            <a:r>
+              <a:rPr lang="zh-TW" altLang="en-US" sz="4800" b="1" dirty="0" smtClean="0">
                 <a:solidFill>
                   <a:srgbClr val="000066"/>
                 </a:solidFill>
                 <a:latin typeface="微軟正黑體" pitchFamily="34" charset="-120"/>
                 <a:ea typeface="微軟正黑體" pitchFamily="34" charset="-120"/>
               </a:rPr>
-              <a:t>火熊熊來</a:t>
-            </a:r>
-            <a:r>
-              <a:rPr lang="zh-TW" altLang="en-US" sz="5400" b="1" dirty="0" smtClean="0">
+              <a:t>伐</a:t>
+            </a:r>
+            <a:r>
+              <a:rPr lang="en-US" altLang="zh-TW" sz="4800" b="1" dirty="0">
                 <a:solidFill>
                   <a:srgbClr val="000066"/>
                 </a:solidFill>
                 <a:latin typeface="微軟正黑體" pitchFamily="34" charset="-120"/>
                 <a:ea typeface="微軟正黑體" pitchFamily="34" charset="-120"/>
               </a:rPr>
-              <a:t>焚燒</a:t>
-            </a:r>
-            <a:endParaRPr lang="en-US" altLang="zh-TW" sz="5400" b="1" dirty="0" smtClean="0">
+              <a:t> </a:t>
+            </a:r>
+            <a:r>
+              <a:rPr lang="en-US" altLang="zh-TW" sz="4800" b="1" dirty="0" smtClean="0">
+                <a:solidFill>
+                  <a:srgbClr val="000066"/>
+                </a:solidFill>
+                <a:latin typeface="微軟正黑體" pitchFamily="34" charset="-120"/>
+                <a:ea typeface="微軟正黑體" pitchFamily="34" charset="-120"/>
+              </a:rPr>
+              <a:t> </a:t>
+            </a:r>
+            <a:r>
+              <a:rPr lang="zh-TW" altLang="en-US" sz="4800" b="1" dirty="0" smtClean="0">
+                <a:solidFill>
+                  <a:srgbClr val="000066"/>
+                </a:solidFill>
+                <a:latin typeface="微軟正黑體" pitchFamily="34" charset="-120"/>
+                <a:ea typeface="微軟正黑體" pitchFamily="34" charset="-120"/>
+              </a:rPr>
+              <a:t>高</a:t>
+            </a:r>
+            <a:r>
+              <a:rPr lang="zh-TW" altLang="en-US" sz="4800" b="1" dirty="0">
+                <a:solidFill>
+                  <a:srgbClr val="000066"/>
+                </a:solidFill>
+                <a:latin typeface="微軟正黑體" pitchFamily="34" charset="-120"/>
+                <a:ea typeface="微軟正黑體" pitchFamily="34" charset="-120"/>
+              </a:rPr>
+              <a:t>舉基督旌旗</a:t>
+            </a:r>
+            <a:endParaRPr lang="en-US" altLang="zh-TW" sz="4800" b="1" dirty="0">
               <a:solidFill>
                 <a:srgbClr val="000066"/>
               </a:solidFill>
@@ -3218,26 +3339,71 @@
               <a:buNone/>
             </a:pPr>
             <a:r>
-              <a:rPr lang="zh-TW" altLang="en-US" sz="5400" b="1" dirty="0" smtClean="0">
+              <a:rPr lang="zh-TW" altLang="en-US" sz="4800" b="1" dirty="0">
                 <a:solidFill>
                   <a:srgbClr val="000066"/>
                 </a:solidFill>
                 <a:latin typeface="微軟正黑體" pitchFamily="34" charset="-120"/>
                 <a:ea typeface="微軟正黑體" pitchFamily="34" charset="-120"/>
               </a:rPr>
-              <a:t>恩</a:t>
-            </a:r>
-            <a:r>
-              <a:rPr lang="zh-TW" altLang="en-US" sz="5400" b="1" dirty="0" smtClean="0">
+              <a:t>你看我們為華</a:t>
+            </a:r>
+            <a:r>
+              <a:rPr lang="zh-TW" altLang="en-US" sz="4800" b="1" dirty="0" smtClean="0">
                 <a:solidFill>
                   <a:srgbClr val="000066"/>
                 </a:solidFill>
                 <a:latin typeface="微軟正黑體" pitchFamily="34" charset="-120"/>
                 <a:ea typeface="微軟正黑體" pitchFamily="34" charset="-120"/>
               </a:rPr>
-              <a:t>膏厚厚濕衣襟</a:t>
-            </a:r>
-            <a:endParaRPr lang="zh-TW" altLang="en-US" sz="5400" b="1" dirty="0">
+              <a:t>冠</a:t>
+            </a:r>
+            <a:r>
+              <a:rPr lang="en-US" altLang="zh-TW" sz="4800" b="1" dirty="0" smtClean="0">
+                <a:solidFill>
+                  <a:srgbClr val="000066"/>
+                </a:solidFill>
+                <a:latin typeface="微軟正黑體" pitchFamily="34" charset="-120"/>
+                <a:ea typeface="微軟正黑體" pitchFamily="34" charset="-120"/>
+              </a:rPr>
+              <a:t> </a:t>
+            </a:r>
+            <a:r>
+              <a:rPr lang="en-US" altLang="zh-TW" sz="4800" b="1" dirty="0">
+                <a:solidFill>
+                  <a:srgbClr val="000066"/>
+                </a:solidFill>
+                <a:latin typeface="微軟正黑體" pitchFamily="34" charset="-120"/>
+                <a:ea typeface="微軟正黑體" pitchFamily="34" charset="-120"/>
+              </a:rPr>
+              <a:t> </a:t>
+            </a:r>
+            <a:r>
+              <a:rPr lang="zh-TW" altLang="en-US" sz="4800" b="1" dirty="0" smtClean="0">
+                <a:solidFill>
+                  <a:srgbClr val="000066"/>
+                </a:solidFill>
+                <a:latin typeface="微軟正黑體" pitchFamily="34" charset="-120"/>
+                <a:ea typeface="微軟正黑體" pitchFamily="34" charset="-120"/>
+              </a:rPr>
+              <a:t>以</a:t>
+            </a:r>
+            <a:r>
+              <a:rPr lang="zh-TW" altLang="en-US" sz="4800" b="1" dirty="0">
+                <a:solidFill>
+                  <a:srgbClr val="000066"/>
+                </a:solidFill>
+                <a:latin typeface="微軟正黑體" pitchFamily="34" charset="-120"/>
+                <a:ea typeface="微軟正黑體" pitchFamily="34" charset="-120"/>
+              </a:rPr>
+              <a:t>我們為精兵</a:t>
+            </a:r>
+          </a:p>
+          <a:p>
+            <a:pPr algn="ctr">
+              <a:buNone/>
+            </a:pPr>
+            <a:endParaRPr lang="zh-TW" altLang="en-US" sz="4800" b="1" dirty="0">
               <a:solidFill>
                 <a:srgbClr val="000066"/>
               </a:solidFill>
@@ -3282,13 +3448,20 @@
             <p:ph type="title"/>
           </p:nvPr>
         </p:nvSpPr>
-        <p:spPr/>
-        <p:txBody>
-          <a:bodyPr/>
-          <a:lstStyle/>
-          <a:p>
-            <a:r>
-              <a:rPr lang="zh-TW" altLang="en-US" b="1" dirty="0" smtClean="0">
+        <p:spPr>
+          <a:xfrm>
+            <a:off x="467544" y="0"/>
+            <a:ext cx="8229600" cy="857250"/>
+          </a:xfrm>
+        </p:spPr>
+        <p:txBody>
+          <a:bodyPr>
+            <a:normAutofit/>
+          </a:bodyPr>
+          <a:lstStyle/>
+          <a:p>
+            <a:r>
+              <a:rPr lang="zh-TW" altLang="en-US" sz="4000" b="1" dirty="0" smtClean="0">
                 <a:solidFill>
                   <a:srgbClr val="000066"/>
                 </a:solidFill>
@@ -3297,7 +3470,7 @@
               </a:rPr>
               <a:t>獻上自己為祭</a:t>
             </a:r>
-            <a:endParaRPr lang="zh-TW" altLang="en-US" b="1" dirty="0">
+            <a:endParaRPr lang="zh-TW" altLang="en-US" sz="4000" b="1" dirty="0">
               <a:solidFill>
                 <a:srgbClr val="000066"/>
               </a:solidFill>
@@ -3317,10 +3490,15 @@
             <p:ph idx="1"/>
           </p:nvPr>
         </p:nvSpPr>
-        <p:spPr/>
+        <p:spPr>
+          <a:xfrm>
+            <a:off x="0" y="843558"/>
+            <a:ext cx="9144000" cy="3943350"/>
+          </a:xfrm>
+        </p:spPr>
         <p:txBody>
           <a:bodyPr>
-            <a:normAutofit/>
+            <a:noAutofit/>
           </a:bodyPr>
           <a:lstStyle/>
           <a:p>
@@ -3328,26 +3506,16 @@
               <a:buNone/>
             </a:pPr>
             <a:r>
-              <a:rPr lang="zh-TW" altLang="en-US" sz="5400" b="1" dirty="0" smtClean="0">
+              <a:rPr lang="zh-TW" altLang="en-US" sz="4800" b="1" dirty="0" smtClean="0">
                 <a:solidFill>
                   <a:srgbClr val="000066"/>
                 </a:solidFill>
                 <a:latin typeface="微軟正黑體" pitchFamily="34" charset="-120"/>
                 <a:ea typeface="微軟正黑體" pitchFamily="34" charset="-120"/>
               </a:rPr>
-              <a:t>邁開征戰</a:t>
-            </a:r>
-            <a:r>
-              <a:rPr lang="zh-TW" altLang="en-US" sz="5400" b="1" dirty="0" smtClean="0">
-                <a:solidFill>
-                  <a:srgbClr val="000066"/>
-                </a:solidFill>
-                <a:latin typeface="微軟正黑體" pitchFamily="34" charset="-120"/>
-                <a:ea typeface="微軟正黑體" pitchFamily="34" charset="-120"/>
-              </a:rPr>
-              <a:t>步伐</a:t>
-            </a:r>
-            <a:endParaRPr lang="en-US" altLang="zh-TW" sz="5400" b="1" dirty="0" smtClean="0">
+              <a:t>讓我們重建大衛倒塌的帳幕</a:t>
+            </a:r>
+            <a:endParaRPr lang="en-US" altLang="zh-TW" sz="4800" b="1" dirty="0" smtClean="0">
               <a:solidFill>
                 <a:srgbClr val="000066"/>
               </a:solidFill>
@@ -3360,36 +3528,16 @@
               <a:buNone/>
             </a:pPr>
             <a:r>
-              <a:rPr lang="zh-TW" altLang="en-US" sz="5400" b="1" dirty="0" smtClean="0">
+              <a:rPr lang="zh-TW" altLang="en-US" sz="4800" b="1" dirty="0" smtClean="0">
                 <a:solidFill>
                   <a:srgbClr val="000066"/>
                 </a:solidFill>
                 <a:latin typeface="微軟正黑體" pitchFamily="34" charset="-120"/>
                 <a:ea typeface="微軟正黑體" pitchFamily="34" charset="-120"/>
               </a:rPr>
-              <a:t>高舉</a:t>
-            </a:r>
-            <a:r>
-              <a:rPr lang="zh-TW" altLang="en-US" sz="5400" b="1" dirty="0" smtClean="0">
-                <a:solidFill>
-                  <a:srgbClr val="000066"/>
-                </a:solidFill>
-                <a:latin typeface="微軟正黑體" pitchFamily="34" charset="-120"/>
-                <a:ea typeface="微軟正黑體" pitchFamily="34" charset="-120"/>
-              </a:rPr>
-              <a:t>基督</a:t>
-            </a:r>
-            <a:r>
-              <a:rPr lang="zh-TW" altLang="en-US" sz="5400" b="1" dirty="0" smtClean="0">
-                <a:solidFill>
-                  <a:srgbClr val="000066"/>
-                </a:solidFill>
-                <a:latin typeface="微軟正黑體" pitchFamily="34" charset="-120"/>
-                <a:ea typeface="微軟正黑體" pitchFamily="34" charset="-120"/>
-              </a:rPr>
-              <a:t>旌旗</a:t>
-            </a:r>
-            <a:endParaRPr lang="en-US" altLang="zh-TW" sz="5400" b="1" dirty="0" smtClean="0">
+              <a:t>我們起來堵住其中的破口</a:t>
+            </a:r>
+            <a:endParaRPr lang="en-US" altLang="zh-TW" sz="4800" b="1" dirty="0" smtClean="0">
               <a:solidFill>
                 <a:srgbClr val="000066"/>
               </a:solidFill>
@@ -3402,36 +3550,16 @@
               <a:buNone/>
             </a:pPr>
             <a:r>
-              <a:rPr lang="zh-TW" altLang="en-US" sz="5400" b="1" dirty="0" smtClean="0">
+              <a:rPr lang="zh-TW" altLang="en-US" sz="4800" b="1" dirty="0" smtClean="0">
                 <a:solidFill>
                   <a:srgbClr val="000066"/>
                 </a:solidFill>
                 <a:latin typeface="微軟正黑體" pitchFamily="34" charset="-120"/>
                 <a:ea typeface="微軟正黑體" pitchFamily="34" charset="-120"/>
               </a:rPr>
-              <a:t>你</a:t>
-            </a:r>
-            <a:r>
-              <a:rPr lang="zh-TW" altLang="en-US" sz="5400" b="1" dirty="0" smtClean="0">
-                <a:solidFill>
-                  <a:srgbClr val="000066"/>
-                </a:solidFill>
-                <a:latin typeface="微軟正黑體" pitchFamily="34" charset="-120"/>
-                <a:ea typeface="微軟正黑體" pitchFamily="34" charset="-120"/>
-              </a:rPr>
-              <a:t>看我們為華</a:t>
-            </a:r>
-            <a:r>
-              <a:rPr lang="zh-TW" altLang="en-US" sz="5400" b="1" dirty="0" smtClean="0">
-                <a:solidFill>
-                  <a:srgbClr val="000066"/>
-                </a:solidFill>
-                <a:latin typeface="微軟正黑體" pitchFamily="34" charset="-120"/>
-                <a:ea typeface="微軟正黑體" pitchFamily="34" charset="-120"/>
-              </a:rPr>
-              <a:t>冠</a:t>
-            </a:r>
-            <a:endParaRPr lang="en-US" altLang="zh-TW" sz="5400" b="1" dirty="0" smtClean="0">
+              <a:t>重修毀壞的祭壇</a:t>
+            </a:r>
+            <a:endParaRPr lang="en-US" altLang="zh-TW" sz="4800" b="1" dirty="0" smtClean="0">
               <a:solidFill>
                 <a:srgbClr val="000066"/>
               </a:solidFill>
@@ -3444,26 +3572,16 @@
               <a:buNone/>
             </a:pPr>
             <a:r>
-              <a:rPr lang="zh-TW" altLang="en-US" sz="5400" b="1" dirty="0" smtClean="0">
+              <a:rPr lang="zh-TW" altLang="en-US" sz="4800" b="1" dirty="0" smtClean="0">
                 <a:solidFill>
                   <a:srgbClr val="000066"/>
                 </a:solidFill>
                 <a:latin typeface="微軟正黑體" pitchFamily="34" charset="-120"/>
                 <a:ea typeface="微軟正黑體" pitchFamily="34" charset="-120"/>
               </a:rPr>
-              <a:t>以</a:t>
-            </a:r>
-            <a:r>
-              <a:rPr lang="zh-TW" altLang="en-US" sz="5400" b="1" dirty="0" smtClean="0">
-                <a:solidFill>
-                  <a:srgbClr val="000066"/>
-                </a:solidFill>
-                <a:latin typeface="微軟正黑體" pitchFamily="34" charset="-120"/>
-                <a:ea typeface="微軟正黑體" pitchFamily="34" charset="-120"/>
-              </a:rPr>
-              <a:t>我們為精兵</a:t>
-            </a:r>
-            <a:endParaRPr lang="zh-TW" altLang="en-US" sz="5400" b="1" dirty="0">
+              <a:t>釋放被擄的靈魂</a:t>
+            </a:r>
+            <a:endParaRPr lang="en-US" altLang="zh-TW" sz="4800" b="1" dirty="0" smtClean="0">
               <a:solidFill>
                 <a:srgbClr val="000066"/>
               </a:solidFill>
@@ -3471,272 +3589,21 @@
               <a:ea typeface="微軟正黑體" pitchFamily="34" charset="-120"/>
             </a:endParaRPr>
           </a:p>
-        </p:txBody>
-      </p:sp>
-    </p:spTree>
-  </p:cSld>
-  <p:clrMapOvr>
-    <a:masterClrMapping/>
-  </p:clrMapOvr>
-</p:sld>
-</file>
-
-<file path=ppt/slides/slide3.xml><?xml version="1.0" encoding="utf-8"?>
-<p:sld xmlns:a="http://schemas.openxmlformats.org/drawingml/2006/main" xmlns:r="http://schemas.openxmlformats.org/officeDocument/2006/relationships" xmlns:p="http://schemas.openxmlformats.org/presentationml/2006/main">
-  <p:cSld>
-    <p:spTree>
-      <p:nvGrpSpPr>
-        <p:cNvPr id="1" name=""/>
-        <p:cNvGrpSpPr/>
-        <p:nvPr/>
-      </p:nvGrpSpPr>
-      <p:grpSpPr>
-        <a:xfrm>
-          <a:off x="0" y="0"/>
-          <a:ext cx="0" cy="0"/>
-          <a:chOff x="0" y="0"/>
-          <a:chExt cx="0" cy="0"/>
-        </a:xfrm>
-      </p:grpSpPr>
-      <p:sp>
-        <p:nvSpPr>
-          <p:cNvPr id="4" name="標題 3"/>
-          <p:cNvSpPr>
-            <a:spLocks noGrp="1"/>
-          </p:cNvSpPr>
-          <p:nvPr>
-            <p:ph type="title"/>
-          </p:nvPr>
-        </p:nvSpPr>
-        <p:spPr/>
-        <p:txBody>
-          <a:bodyPr/>
-          <a:lstStyle/>
-          <a:p>
-            <a:r>
-              <a:rPr lang="zh-TW" altLang="en-US" b="1" dirty="0" smtClean="0">
+          <a:p>
+            <a:pPr algn="ctr">
+              <a:buNone/>
+            </a:pPr>
+            <a:r>
+              <a:rPr lang="zh-TW" altLang="en-US" sz="4800" b="1" dirty="0" smtClean="0">
                 <a:solidFill>
                   <a:srgbClr val="000066"/>
                 </a:solidFill>
                 <a:latin typeface="微軟正黑體" pitchFamily="34" charset="-120"/>
                 <a:ea typeface="微軟正黑體" pitchFamily="34" charset="-120"/>
               </a:rPr>
-              <a:t>獻上自己為祭</a:t>
-            </a:r>
-            <a:endParaRPr lang="zh-TW" altLang="en-US" b="1" dirty="0">
-              <a:solidFill>
-                <a:srgbClr val="000066"/>
-              </a:solidFill>
-              <a:latin typeface="微軟正黑體" pitchFamily="34" charset="-120"/>
-              <a:ea typeface="微軟正黑體" pitchFamily="34" charset="-120"/>
-            </a:endParaRPr>
-          </a:p>
-        </p:txBody>
-      </p:sp>
-      <p:sp>
-        <p:nvSpPr>
-          <p:cNvPr id="5" name="內容版面配置區 4"/>
-          <p:cNvSpPr>
-            <a:spLocks noGrp="1"/>
-          </p:cNvSpPr>
-          <p:nvPr>
-            <p:ph idx="1"/>
-          </p:nvPr>
-        </p:nvSpPr>
-        <p:spPr>
-          <a:xfrm>
-            <a:off x="0" y="1600200"/>
-            <a:ext cx="9144000" cy="5257800"/>
-          </a:xfrm>
-        </p:spPr>
-        <p:txBody>
-          <a:bodyPr>
-            <a:normAutofit/>
-          </a:bodyPr>
-          <a:lstStyle/>
-          <a:p>
-            <a:pPr algn="ctr">
-              <a:buNone/>
-            </a:pPr>
-            <a:r>
-              <a:rPr lang="zh-TW" altLang="en-US" sz="5400" b="1" dirty="0" smtClean="0">
-                <a:solidFill>
-                  <a:srgbClr val="000066"/>
-                </a:solidFill>
-                <a:latin typeface="微軟正黑體" pitchFamily="34" charset="-120"/>
-                <a:ea typeface="微軟正黑體" pitchFamily="34" charset="-120"/>
-              </a:rPr>
-              <a:t>讓我們重建大衛倒塌的</a:t>
-            </a:r>
-            <a:r>
-              <a:rPr lang="zh-TW" altLang="en-US" sz="5400" b="1" dirty="0" smtClean="0">
-                <a:solidFill>
-                  <a:srgbClr val="000066"/>
-                </a:solidFill>
-                <a:latin typeface="微軟正黑體" pitchFamily="34" charset="-120"/>
-                <a:ea typeface="微軟正黑體" pitchFamily="34" charset="-120"/>
-              </a:rPr>
-              <a:t>帳幕</a:t>
-            </a:r>
-            <a:endParaRPr lang="en-US" altLang="zh-TW" sz="5400" b="1" dirty="0" smtClean="0">
-              <a:solidFill>
-                <a:srgbClr val="000066"/>
-              </a:solidFill>
-              <a:latin typeface="微軟正黑體" pitchFamily="34" charset="-120"/>
-              <a:ea typeface="微軟正黑體" pitchFamily="34" charset="-120"/>
-            </a:endParaRPr>
-          </a:p>
-          <a:p>
-            <a:pPr algn="ctr">
-              <a:buNone/>
-            </a:pPr>
-            <a:r>
-              <a:rPr lang="zh-TW" altLang="en-US" sz="5400" b="1" dirty="0" smtClean="0">
-                <a:solidFill>
-                  <a:srgbClr val="000066"/>
-                </a:solidFill>
-                <a:latin typeface="微軟正黑體" pitchFamily="34" charset="-120"/>
-                <a:ea typeface="微軟正黑體" pitchFamily="34" charset="-120"/>
-              </a:rPr>
-              <a:t>我們</a:t>
-            </a:r>
-            <a:r>
-              <a:rPr lang="zh-TW" altLang="en-US" sz="5400" b="1" dirty="0" smtClean="0">
-                <a:solidFill>
-                  <a:srgbClr val="000066"/>
-                </a:solidFill>
-                <a:latin typeface="微軟正黑體" pitchFamily="34" charset="-120"/>
-                <a:ea typeface="微軟正黑體" pitchFamily="34" charset="-120"/>
-              </a:rPr>
-              <a:t>起來堵住其中的破</a:t>
-            </a:r>
-            <a:r>
-              <a:rPr lang="zh-TW" altLang="en-US" sz="5400" b="1" dirty="0" smtClean="0">
-                <a:solidFill>
-                  <a:srgbClr val="000066"/>
-                </a:solidFill>
-                <a:latin typeface="微軟正黑體" pitchFamily="34" charset="-120"/>
-                <a:ea typeface="微軟正黑體" pitchFamily="34" charset="-120"/>
-              </a:rPr>
-              <a:t>口</a:t>
-            </a:r>
-            <a:endParaRPr lang="en-US" altLang="zh-TW" sz="5400" b="1" dirty="0" smtClean="0">
-              <a:solidFill>
-                <a:srgbClr val="000066"/>
-              </a:solidFill>
-              <a:latin typeface="微軟正黑體" pitchFamily="34" charset="-120"/>
-              <a:ea typeface="微軟正黑體" pitchFamily="34" charset="-120"/>
-            </a:endParaRPr>
-          </a:p>
-          <a:p>
-            <a:pPr algn="ctr">
-              <a:buNone/>
-            </a:pPr>
-            <a:r>
-              <a:rPr lang="zh-TW" altLang="en-US" sz="5400" b="1" dirty="0" smtClean="0">
-                <a:solidFill>
-                  <a:srgbClr val="000066"/>
-                </a:solidFill>
-                <a:latin typeface="微軟正黑體" pitchFamily="34" charset="-120"/>
-                <a:ea typeface="微軟正黑體" pitchFamily="34" charset="-120"/>
-              </a:rPr>
-              <a:t>重修</a:t>
-            </a:r>
-            <a:r>
-              <a:rPr lang="zh-TW" altLang="en-US" sz="5400" b="1" dirty="0" smtClean="0">
-                <a:solidFill>
-                  <a:srgbClr val="000066"/>
-                </a:solidFill>
-                <a:latin typeface="微軟正黑體" pitchFamily="34" charset="-120"/>
-                <a:ea typeface="微軟正黑體" pitchFamily="34" charset="-120"/>
-              </a:rPr>
-              <a:t>毀壞的</a:t>
-            </a:r>
-            <a:r>
-              <a:rPr lang="zh-TW" altLang="en-US" sz="5400" b="1" dirty="0" smtClean="0">
-                <a:solidFill>
-                  <a:srgbClr val="000066"/>
-                </a:solidFill>
-                <a:latin typeface="微軟正黑體" pitchFamily="34" charset="-120"/>
-                <a:ea typeface="微軟正黑體" pitchFamily="34" charset="-120"/>
-              </a:rPr>
-              <a:t>祭壇</a:t>
-            </a:r>
-            <a:endParaRPr lang="en-US" altLang="zh-TW" sz="5400" b="1" dirty="0" smtClean="0">
-              <a:solidFill>
-                <a:srgbClr val="000066"/>
-              </a:solidFill>
-              <a:latin typeface="微軟正黑體" pitchFamily="34" charset="-120"/>
-              <a:ea typeface="微軟正黑體" pitchFamily="34" charset="-120"/>
-            </a:endParaRPr>
-          </a:p>
-          <a:p>
-            <a:pPr algn="ctr">
-              <a:buNone/>
-            </a:pPr>
-            <a:r>
-              <a:rPr lang="zh-TW" altLang="en-US" sz="5400" b="1" dirty="0" smtClean="0">
-                <a:solidFill>
-                  <a:srgbClr val="000066"/>
-                </a:solidFill>
-                <a:latin typeface="微軟正黑體" pitchFamily="34" charset="-120"/>
-                <a:ea typeface="微軟正黑體" pitchFamily="34" charset="-120"/>
-              </a:rPr>
-              <a:t>釋放</a:t>
-            </a:r>
-            <a:r>
-              <a:rPr lang="zh-TW" altLang="en-US" sz="5400" b="1" dirty="0" smtClean="0">
-                <a:solidFill>
-                  <a:srgbClr val="000066"/>
-                </a:solidFill>
-                <a:latin typeface="微軟正黑體" pitchFamily="34" charset="-120"/>
-                <a:ea typeface="微軟正黑體" pitchFamily="34" charset="-120"/>
-              </a:rPr>
-              <a:t>被擄的</a:t>
-            </a:r>
-            <a:r>
-              <a:rPr lang="zh-TW" altLang="en-US" sz="5400" b="1" dirty="0" smtClean="0">
-                <a:solidFill>
-                  <a:srgbClr val="000066"/>
-                </a:solidFill>
-                <a:latin typeface="微軟正黑體" pitchFamily="34" charset="-120"/>
-                <a:ea typeface="微軟正黑體" pitchFamily="34" charset="-120"/>
-              </a:rPr>
-              <a:t>靈魂</a:t>
-            </a:r>
-            <a:endParaRPr lang="en-US" altLang="zh-TW" sz="5400" b="1" dirty="0" smtClean="0">
-              <a:solidFill>
-                <a:srgbClr val="000066"/>
-              </a:solidFill>
-              <a:latin typeface="微軟正黑體" pitchFamily="34" charset="-120"/>
-              <a:ea typeface="微軟正黑體" pitchFamily="34" charset="-120"/>
-            </a:endParaRPr>
-          </a:p>
-          <a:p>
-            <a:pPr algn="ctr">
-              <a:buNone/>
-            </a:pPr>
-            <a:r>
-              <a:rPr lang="zh-TW" altLang="en-US" sz="5400" b="1" dirty="0" smtClean="0">
-                <a:solidFill>
-                  <a:srgbClr val="000066"/>
-                </a:solidFill>
-                <a:latin typeface="微軟正黑體" pitchFamily="34" charset="-120"/>
-                <a:ea typeface="微軟正黑體" pitchFamily="34" charset="-120"/>
-              </a:rPr>
-              <a:t>願</a:t>
-            </a:r>
-            <a:r>
-              <a:rPr lang="zh-TW" altLang="en-US" sz="5400" b="1" dirty="0" smtClean="0">
-                <a:solidFill>
-                  <a:srgbClr val="000066"/>
-                </a:solidFill>
-                <a:latin typeface="微軟正黑體" pitchFamily="34" charset="-120"/>
-                <a:ea typeface="微軟正黑體" pitchFamily="34" charset="-120"/>
-              </a:rPr>
-              <a:t>你榮耀的國度降臨</a:t>
-            </a:r>
-            <a:endParaRPr lang="zh-TW" altLang="en-US" sz="5400" b="1" dirty="0">
+              <a:t>願你榮耀的國度降臨</a:t>
+            </a:r>
+            <a:endParaRPr lang="zh-TW" altLang="en-US" sz="4800" b="1" dirty="0">
               <a:solidFill>
                 <a:srgbClr val="000066"/>
               </a:solidFill>

--- a/獻上自己為祭(崇拜版).pptx
+++ b/獻上自己為祭(崇拜版).pptx
@@ -289,7 +289,7 @@
           <a:p>
             <a:fld id="{29A7CDF0-D54D-42B9-BBD7-855BA25B4BF7}" type="datetimeFigureOut">
               <a:rPr lang="zh-TW" altLang="en-US" smtClean="0"/>
-              <a:t>2019/7/27</a:t>
+              <a:t>2019/7/9</a:t>
             </a:fld>
             <a:endParaRPr lang="zh-TW" altLang="en-US"/>
           </a:p>
@@ -454,7 +454,7 @@
           <a:p>
             <a:fld id="{29A7CDF0-D54D-42B9-BBD7-855BA25B4BF7}" type="datetimeFigureOut">
               <a:rPr lang="zh-TW" altLang="en-US" smtClean="0"/>
-              <a:t>2019/7/27</a:t>
+              <a:t>2019/7/9</a:t>
             </a:fld>
             <a:endParaRPr lang="zh-TW" altLang="en-US"/>
           </a:p>
@@ -629,7 +629,7 @@
           <a:p>
             <a:fld id="{29A7CDF0-D54D-42B9-BBD7-855BA25B4BF7}" type="datetimeFigureOut">
               <a:rPr lang="zh-TW" altLang="en-US" smtClean="0"/>
-              <a:t>2019/7/27</a:t>
+              <a:t>2019/7/9</a:t>
             </a:fld>
             <a:endParaRPr lang="zh-TW" altLang="en-US"/>
           </a:p>
@@ -794,7 +794,7 @@
           <a:p>
             <a:fld id="{29A7CDF0-D54D-42B9-BBD7-855BA25B4BF7}" type="datetimeFigureOut">
               <a:rPr lang="zh-TW" altLang="en-US" smtClean="0"/>
-              <a:t>2019/7/27</a:t>
+              <a:t>2019/7/9</a:t>
             </a:fld>
             <a:endParaRPr lang="zh-TW" altLang="en-US"/>
           </a:p>
@@ -1035,7 +1035,7 @@
           <a:p>
             <a:fld id="{29A7CDF0-D54D-42B9-BBD7-855BA25B4BF7}" type="datetimeFigureOut">
               <a:rPr lang="zh-TW" altLang="en-US" smtClean="0"/>
-              <a:t>2019/7/27</a:t>
+              <a:t>2019/7/9</a:t>
             </a:fld>
             <a:endParaRPr lang="zh-TW" altLang="en-US"/>
           </a:p>
@@ -1318,7 +1318,7 @@
           <a:p>
             <a:fld id="{29A7CDF0-D54D-42B9-BBD7-855BA25B4BF7}" type="datetimeFigureOut">
               <a:rPr lang="zh-TW" altLang="en-US" smtClean="0"/>
-              <a:t>2019/7/27</a:t>
+              <a:t>2019/7/9</a:t>
             </a:fld>
             <a:endParaRPr lang="zh-TW" altLang="en-US"/>
           </a:p>
@@ -1735,7 +1735,7 @@
           <a:p>
             <a:fld id="{29A7CDF0-D54D-42B9-BBD7-855BA25B4BF7}" type="datetimeFigureOut">
               <a:rPr lang="zh-TW" altLang="en-US" smtClean="0"/>
-              <a:t>2019/7/27</a:t>
+              <a:t>2019/7/9</a:t>
             </a:fld>
             <a:endParaRPr lang="zh-TW" altLang="en-US"/>
           </a:p>
@@ -1848,7 +1848,7 @@
           <a:p>
             <a:fld id="{29A7CDF0-D54D-42B9-BBD7-855BA25B4BF7}" type="datetimeFigureOut">
               <a:rPr lang="zh-TW" altLang="en-US" smtClean="0"/>
-              <a:t>2019/7/27</a:t>
+              <a:t>2019/7/9</a:t>
             </a:fld>
             <a:endParaRPr lang="zh-TW" altLang="en-US"/>
           </a:p>
@@ -1938,7 +1938,7 @@
           <a:p>
             <a:fld id="{29A7CDF0-D54D-42B9-BBD7-855BA25B4BF7}" type="datetimeFigureOut">
               <a:rPr lang="zh-TW" altLang="en-US" smtClean="0"/>
-              <a:t>2019/7/27</a:t>
+              <a:t>2019/7/9</a:t>
             </a:fld>
             <a:endParaRPr lang="zh-TW" altLang="en-US"/>
           </a:p>
@@ -2210,7 +2210,7 @@
           <a:p>
             <a:fld id="{29A7CDF0-D54D-42B9-BBD7-855BA25B4BF7}" type="datetimeFigureOut">
               <a:rPr lang="zh-TW" altLang="en-US" smtClean="0"/>
-              <a:t>2019/7/27</a:t>
+              <a:t>2019/7/9</a:t>
             </a:fld>
             <a:endParaRPr lang="zh-TW" altLang="en-US"/>
           </a:p>
@@ -2462,7 +2462,7 @@
           <a:p>
             <a:fld id="{29A7CDF0-D54D-42B9-BBD7-855BA25B4BF7}" type="datetimeFigureOut">
               <a:rPr lang="zh-TW" altLang="en-US" smtClean="0"/>
-              <a:t>2019/7/27</a:t>
+              <a:t>2019/7/9</a:t>
             </a:fld>
             <a:endParaRPr lang="zh-TW" altLang="en-US"/>
           </a:p>
@@ -2675,7 +2675,7 @@
           <a:p>
             <a:fld id="{29A7CDF0-D54D-42B9-BBD7-855BA25B4BF7}" type="datetimeFigureOut">
               <a:rPr lang="zh-TW" altLang="en-US" smtClean="0"/>
-              <a:t>2019/7/27</a:t>
+              <a:t>2019/7/9</a:t>
             </a:fld>
             <a:endParaRPr lang="zh-TW" altLang="en-US"/>
           </a:p>
@@ -3055,12 +3055,7 @@
             <p:ph type="title"/>
           </p:nvPr>
         </p:nvSpPr>
-        <p:spPr>
-          <a:xfrm>
-            <a:off x="467544" y="0"/>
-            <a:ext cx="8229600" cy="857250"/>
-          </a:xfrm>
-        </p:spPr>
+        <p:spPr/>
         <p:txBody>
           <a:bodyPr>
             <a:normAutofit/>
@@ -3113,7 +3108,7 @@
               <a:buNone/>
             </a:pPr>
             <a:r>
-              <a:rPr lang="zh-TW" altLang="en-US" sz="4800" b="1" dirty="0" smtClean="0">
+              <a:rPr lang="zh-TW" altLang="en-US" sz="4400" b="1" dirty="0" smtClean="0">
                 <a:solidFill>
                   <a:srgbClr val="000066"/>
                 </a:solidFill>
@@ -3123,7 +3118,7 @@
               <a:t>獻上自己為</a:t>
             </a:r>
             <a:r>
-              <a:rPr lang="zh-TW" altLang="en-US" sz="4800" b="1" dirty="0" smtClean="0">
+              <a:rPr lang="zh-TW" altLang="en-US" sz="4400" b="1" dirty="0" smtClean="0">
                 <a:solidFill>
                   <a:srgbClr val="000066"/>
                 </a:solidFill>
@@ -3133,7 +3128,7 @@
               <a:t>祭</a:t>
             </a:r>
             <a:r>
-              <a:rPr lang="en-US" altLang="zh-TW" sz="4800" b="1" dirty="0">
+              <a:rPr lang="en-US" altLang="zh-TW" sz="4400" b="1" dirty="0">
                 <a:solidFill>
                   <a:srgbClr val="000066"/>
                 </a:solidFill>
@@ -3143,7 +3138,7 @@
               <a:t> </a:t>
             </a:r>
             <a:r>
-              <a:rPr lang="en-US" altLang="zh-TW" sz="4800" b="1" dirty="0" smtClean="0">
+              <a:rPr lang="en-US" altLang="zh-TW" sz="4400" b="1" dirty="0" smtClean="0">
                 <a:solidFill>
                   <a:srgbClr val="000066"/>
                 </a:solidFill>
@@ -3153,7 +3148,7 @@
               <a:t> </a:t>
             </a:r>
             <a:r>
-              <a:rPr lang="zh-TW" altLang="en-US" sz="4800" b="1" dirty="0" smtClean="0">
+              <a:rPr lang="zh-TW" altLang="en-US" sz="4400" b="1" dirty="0" smtClean="0">
                 <a:solidFill>
                   <a:srgbClr val="000066"/>
                 </a:solidFill>
@@ -3163,7 +3158,7 @@
               <a:t>完</a:t>
             </a:r>
             <a:r>
-              <a:rPr lang="zh-TW" altLang="en-US" sz="4800" b="1" dirty="0" smtClean="0">
+              <a:rPr lang="zh-TW" altLang="en-US" sz="4400" b="1" dirty="0" smtClean="0">
                 <a:solidFill>
                   <a:srgbClr val="000066"/>
                 </a:solidFill>
@@ -3172,7 +3167,7 @@
               </a:rPr>
               <a:t>全降服於你</a:t>
             </a:r>
-            <a:endParaRPr lang="en-US" altLang="zh-TW" sz="4800" b="1" dirty="0" smtClean="0">
+            <a:endParaRPr lang="en-US" altLang="zh-TW" sz="4400" b="1" dirty="0" smtClean="0">
               <a:solidFill>
                 <a:srgbClr val="000066"/>
               </a:solidFill>
@@ -3185,7 +3180,7 @@
               <a:buNone/>
             </a:pPr>
             <a:r>
-              <a:rPr lang="zh-TW" altLang="en-US" sz="4800" b="1" dirty="0" smtClean="0">
+              <a:rPr lang="zh-TW" altLang="en-US" sz="4400" b="1" dirty="0" smtClean="0">
                 <a:solidFill>
                   <a:srgbClr val="000066"/>
                 </a:solidFill>
@@ -3195,7 +3190,7 @@
               <a:t>靈火熊熊來焚</a:t>
             </a:r>
             <a:r>
-              <a:rPr lang="zh-TW" altLang="en-US" sz="4800" b="1" dirty="0" smtClean="0">
+              <a:rPr lang="zh-TW" altLang="en-US" sz="4400" b="1" dirty="0" smtClean="0">
                 <a:solidFill>
                   <a:srgbClr val="000066"/>
                 </a:solidFill>
@@ -3205,7 +3200,7 @@
               <a:t>燒</a:t>
             </a:r>
             <a:r>
-              <a:rPr lang="en-US" altLang="zh-TW" sz="4800" b="1" dirty="0" smtClean="0">
+              <a:rPr lang="en-US" altLang="zh-TW" sz="4400" b="1" dirty="0">
                 <a:solidFill>
                   <a:srgbClr val="000066"/>
                 </a:solidFill>
@@ -3215,7 +3210,7 @@
               <a:t> </a:t>
             </a:r>
             <a:r>
-              <a:rPr lang="en-US" altLang="zh-TW" sz="4800" b="1" dirty="0" smtClean="0">
+              <a:rPr lang="en-US" altLang="zh-TW" sz="4400" b="1" dirty="0" smtClean="0">
                 <a:solidFill>
                   <a:srgbClr val="000066"/>
                 </a:solidFill>
@@ -3225,7 +3220,7 @@
               <a:t> </a:t>
             </a:r>
             <a:r>
-              <a:rPr lang="zh-TW" altLang="en-US" sz="4800" b="1" dirty="0" smtClean="0">
+              <a:rPr lang="zh-TW" altLang="en-US" sz="4400" b="1" dirty="0" smtClean="0">
                 <a:solidFill>
                   <a:srgbClr val="000066"/>
                 </a:solidFill>
@@ -3235,7 +3230,7 @@
               <a:t>恩</a:t>
             </a:r>
             <a:r>
-              <a:rPr lang="zh-TW" altLang="en-US" sz="4800" b="1" dirty="0" smtClean="0">
+              <a:rPr lang="zh-TW" altLang="en-US" sz="4400" b="1" dirty="0" smtClean="0">
                 <a:solidFill>
                   <a:srgbClr val="000066"/>
                 </a:solidFill>
@@ -3245,7 +3240,7 @@
               <a:t>膏厚厚濕衣</a:t>
             </a:r>
             <a:r>
-              <a:rPr lang="zh-TW" altLang="en-US" sz="4800" b="1" dirty="0" smtClean="0">
+              <a:rPr lang="zh-TW" altLang="en-US" sz="4400" b="1" dirty="0" smtClean="0">
                 <a:solidFill>
                   <a:srgbClr val="000066"/>
                 </a:solidFill>
@@ -3254,7 +3249,7 @@
               </a:rPr>
               <a:t>襟</a:t>
             </a:r>
-            <a:endParaRPr lang="en-US" altLang="zh-TW" sz="4800" b="1" dirty="0" smtClean="0">
+            <a:endParaRPr lang="en-US" altLang="zh-TW" sz="4400" b="1" dirty="0" smtClean="0">
               <a:solidFill>
                 <a:srgbClr val="000066"/>
               </a:solidFill>
@@ -3267,7 +3262,7 @@
               <a:buNone/>
             </a:pPr>
             <a:r>
-              <a:rPr lang="zh-TW" altLang="en-US" sz="4800" b="1" dirty="0">
+              <a:rPr lang="zh-TW" altLang="en-US" sz="4400" b="1" dirty="0">
                 <a:solidFill>
                   <a:srgbClr val="000066"/>
                 </a:solidFill>
@@ -3277,7 +3272,7 @@
               <a:t>邁開征戰步</a:t>
             </a:r>
             <a:r>
-              <a:rPr lang="zh-TW" altLang="en-US" sz="4800" b="1" dirty="0" smtClean="0">
+              <a:rPr lang="zh-TW" altLang="en-US" sz="4400" b="1" dirty="0" smtClean="0">
                 <a:solidFill>
                   <a:srgbClr val="000066"/>
                 </a:solidFill>
@@ -3287,27 +3282,17 @@
               <a:t>伐</a:t>
             </a:r>
             <a:r>
-              <a:rPr lang="en-US" altLang="zh-TW" sz="4800" b="1" dirty="0">
+              <a:rPr lang="en-US" altLang="zh-TW" sz="4400" b="1" dirty="0" smtClean="0">
                 <a:solidFill>
                   <a:srgbClr val="000066"/>
                 </a:solidFill>
                 <a:latin typeface="微軟正黑體" pitchFamily="34" charset="-120"/>
                 <a:ea typeface="微軟正黑體" pitchFamily="34" charset="-120"/>
               </a:rPr>
-              <a:t> </a:t>
-            </a:r>
-            <a:r>
-              <a:rPr lang="en-US" altLang="zh-TW" sz="4800" b="1" dirty="0" smtClean="0">
-                <a:solidFill>
-                  <a:srgbClr val="000066"/>
-                </a:solidFill>
-                <a:latin typeface="微軟正黑體" pitchFamily="34" charset="-120"/>
-                <a:ea typeface="微軟正黑體" pitchFamily="34" charset="-120"/>
-              </a:rPr>
-              <a:t> </a:t>
-            </a:r>
-            <a:r>
-              <a:rPr lang="zh-TW" altLang="en-US" sz="4800" b="1" dirty="0" smtClean="0">
+              <a:t>  </a:t>
+            </a:r>
+            <a:r>
+              <a:rPr lang="zh-TW" altLang="en-US" sz="4400" b="1" dirty="0" smtClean="0">
                 <a:solidFill>
                   <a:srgbClr val="000066"/>
                 </a:solidFill>
@@ -3317,7 +3302,7 @@
               <a:t>高</a:t>
             </a:r>
             <a:r>
-              <a:rPr lang="zh-TW" altLang="en-US" sz="4800" b="1" dirty="0">
+              <a:rPr lang="zh-TW" altLang="en-US" sz="4400" b="1" dirty="0">
                 <a:solidFill>
                   <a:srgbClr val="000066"/>
                 </a:solidFill>
@@ -3326,7 +3311,7 @@
               </a:rPr>
               <a:t>舉基督旌旗</a:t>
             </a:r>
-            <a:endParaRPr lang="en-US" altLang="zh-TW" sz="4800" b="1" dirty="0">
+            <a:endParaRPr lang="en-US" altLang="zh-TW" sz="4400" b="1" dirty="0">
               <a:solidFill>
                 <a:srgbClr val="000066"/>
               </a:solidFill>
@@ -3339,7 +3324,7 @@
               <a:buNone/>
             </a:pPr>
             <a:r>
-              <a:rPr lang="zh-TW" altLang="en-US" sz="4800" b="1" dirty="0">
+              <a:rPr lang="zh-TW" altLang="en-US" sz="4400" b="1" dirty="0">
                 <a:solidFill>
                   <a:srgbClr val="000066"/>
                 </a:solidFill>
@@ -3349,7 +3334,7 @@
               <a:t>你看我們為華</a:t>
             </a:r>
             <a:r>
-              <a:rPr lang="zh-TW" altLang="en-US" sz="4800" b="1" dirty="0" smtClean="0">
+              <a:rPr lang="zh-TW" altLang="en-US" sz="4400" b="1" dirty="0" smtClean="0">
                 <a:solidFill>
                   <a:srgbClr val="000066"/>
                 </a:solidFill>
@@ -3359,27 +3344,17 @@
               <a:t>冠</a:t>
             </a:r>
             <a:r>
-              <a:rPr lang="en-US" altLang="zh-TW" sz="4800" b="1" dirty="0" smtClean="0">
+              <a:rPr lang="en-US" altLang="zh-TW" sz="4400" b="1" dirty="0" smtClean="0">
                 <a:solidFill>
                   <a:srgbClr val="000066"/>
                 </a:solidFill>
                 <a:latin typeface="微軟正黑體" pitchFamily="34" charset="-120"/>
                 <a:ea typeface="微軟正黑體" pitchFamily="34" charset="-120"/>
               </a:rPr>
-              <a:t> </a:t>
-            </a:r>
-            <a:r>
-              <a:rPr lang="en-US" altLang="zh-TW" sz="4800" b="1" dirty="0">
-                <a:solidFill>
-                  <a:srgbClr val="000066"/>
-                </a:solidFill>
-                <a:latin typeface="微軟正黑體" pitchFamily="34" charset="-120"/>
-                <a:ea typeface="微軟正黑體" pitchFamily="34" charset="-120"/>
-              </a:rPr>
-              <a:t> </a:t>
-            </a:r>
-            <a:r>
-              <a:rPr lang="zh-TW" altLang="en-US" sz="4800" b="1" dirty="0" smtClean="0">
+              <a:t>  </a:t>
+            </a:r>
+            <a:r>
+              <a:rPr lang="zh-TW" altLang="en-US" sz="4400" b="1" dirty="0" smtClean="0">
                 <a:solidFill>
                   <a:srgbClr val="000066"/>
                 </a:solidFill>
@@ -3389,7 +3364,7 @@
               <a:t>以</a:t>
             </a:r>
             <a:r>
-              <a:rPr lang="zh-TW" altLang="en-US" sz="4800" b="1" dirty="0">
+              <a:rPr lang="zh-TW" altLang="en-US" sz="4400" b="1" dirty="0">
                 <a:solidFill>
                   <a:srgbClr val="000066"/>
                 </a:solidFill>
@@ -3403,7 +3378,7 @@
             <a:pPr algn="ctr">
               <a:buNone/>
             </a:pPr>
-            <a:endParaRPr lang="zh-TW" altLang="en-US" sz="4800" b="1" dirty="0">
+            <a:endParaRPr lang="zh-TW" altLang="en-US" sz="4400" b="1" dirty="0">
               <a:solidFill>
                 <a:srgbClr val="000066"/>
               </a:solidFill>
@@ -3448,12 +3423,7 @@
             <p:ph type="title"/>
           </p:nvPr>
         </p:nvSpPr>
-        <p:spPr>
-          <a:xfrm>
-            <a:off x="467544" y="0"/>
-            <a:ext cx="8229600" cy="857250"/>
-          </a:xfrm>
-        </p:spPr>
+        <p:spPr/>
         <p:txBody>
           <a:bodyPr>
             <a:normAutofit/>
@@ -3461,7 +3431,7 @@
           <a:lstStyle/>
           <a:p>
             <a:r>
-              <a:rPr lang="zh-TW" altLang="en-US" sz="4000" b="1" dirty="0" smtClean="0">
+              <a:rPr lang="zh-TW" altLang="en-US" sz="4000" b="1" dirty="0">
                 <a:solidFill>
                   <a:srgbClr val="000066"/>
                 </a:solidFill>
@@ -3492,7 +3462,7 @@
         </p:nvSpPr>
         <p:spPr>
           <a:xfrm>
-            <a:off x="0" y="843558"/>
+            <a:off x="0" y="1200150"/>
             <a:ext cx="9144000" cy="3943350"/>
           </a:xfrm>
         </p:spPr>
@@ -3506,7 +3476,7 @@
               <a:buNone/>
             </a:pPr>
             <a:r>
-              <a:rPr lang="zh-TW" altLang="en-US" sz="4800" b="1" dirty="0" smtClean="0">
+              <a:rPr lang="zh-TW" altLang="en-US" sz="4400" b="1" dirty="0">
                 <a:solidFill>
                   <a:srgbClr val="000066"/>
                 </a:solidFill>
@@ -3515,7 +3485,7 @@
               </a:rPr>
               <a:t>讓我們重建大衛倒塌的帳幕</a:t>
             </a:r>
-            <a:endParaRPr lang="en-US" altLang="zh-TW" sz="4800" b="1" dirty="0" smtClean="0">
+            <a:endParaRPr lang="en-US" altLang="zh-TW" sz="4400" b="1" dirty="0">
               <a:solidFill>
                 <a:srgbClr val="000066"/>
               </a:solidFill>
@@ -3528,7 +3498,7 @@
               <a:buNone/>
             </a:pPr>
             <a:r>
-              <a:rPr lang="zh-TW" altLang="en-US" sz="4800" b="1" dirty="0" smtClean="0">
+              <a:rPr lang="zh-TW" altLang="en-US" sz="4400" b="1" dirty="0">
                 <a:solidFill>
                   <a:srgbClr val="000066"/>
                 </a:solidFill>
@@ -3537,7 +3507,7 @@
               </a:rPr>
               <a:t>我們起來堵住其中的破口</a:t>
             </a:r>
-            <a:endParaRPr lang="en-US" altLang="zh-TW" sz="4800" b="1" dirty="0" smtClean="0">
+            <a:endParaRPr lang="en-US" altLang="zh-TW" sz="4400" b="1" dirty="0">
               <a:solidFill>
                 <a:srgbClr val="000066"/>
               </a:solidFill>
@@ -3550,16 +3520,56 @@
               <a:buNone/>
             </a:pPr>
             <a:r>
-              <a:rPr lang="zh-TW" altLang="en-US" sz="4800" b="1" dirty="0" smtClean="0">
+              <a:rPr lang="zh-TW" altLang="en-US" sz="4400" b="1" dirty="0">
                 <a:solidFill>
                   <a:srgbClr val="000066"/>
                 </a:solidFill>
                 <a:latin typeface="微軟正黑體" pitchFamily="34" charset="-120"/>
                 <a:ea typeface="微軟正黑體" pitchFamily="34" charset="-120"/>
               </a:rPr>
-              <a:t>重修毀壞的祭壇</a:t>
-            </a:r>
-            <a:endParaRPr lang="en-US" altLang="zh-TW" sz="4800" b="1" dirty="0" smtClean="0">
+              <a:t>重修毀壞的祭</a:t>
+            </a:r>
+            <a:r>
+              <a:rPr lang="zh-TW" altLang="en-US" sz="4400" b="1" dirty="0" smtClean="0">
+                <a:solidFill>
+                  <a:srgbClr val="000066"/>
+                </a:solidFill>
+                <a:latin typeface="微軟正黑體" pitchFamily="34" charset="-120"/>
+                <a:ea typeface="微軟正黑體" pitchFamily="34" charset="-120"/>
+              </a:rPr>
+              <a:t>壇</a:t>
+            </a:r>
+            <a:r>
+              <a:rPr lang="en-US" altLang="zh-TW" sz="4400" b="1" dirty="0" smtClean="0">
+                <a:solidFill>
+                  <a:srgbClr val="000066"/>
+                </a:solidFill>
+                <a:latin typeface="微軟正黑體" pitchFamily="34" charset="-120"/>
+                <a:ea typeface="微軟正黑體" pitchFamily="34" charset="-120"/>
+              </a:rPr>
+              <a:t>  </a:t>
+            </a:r>
+            <a:r>
+              <a:rPr lang="zh-TW" altLang="en-US" sz="4400" b="1" dirty="0" smtClean="0">
+                <a:solidFill>
+                  <a:srgbClr val="000066"/>
+                </a:solidFill>
+                <a:latin typeface="微軟正黑體" pitchFamily="34" charset="-120"/>
+                <a:ea typeface="微軟正黑體" pitchFamily="34" charset="-120"/>
+              </a:rPr>
+              <a:t>釋</a:t>
+            </a:r>
+            <a:r>
+              <a:rPr lang="zh-TW" altLang="en-US" sz="4400" b="1" dirty="0">
+                <a:solidFill>
+                  <a:srgbClr val="000066"/>
+                </a:solidFill>
+                <a:latin typeface="微軟正黑體" pitchFamily="34" charset="-120"/>
+                <a:ea typeface="微軟正黑體" pitchFamily="34" charset="-120"/>
+              </a:rPr>
+              <a:t>放被擄的靈魂</a:t>
+            </a:r>
+            <a:endParaRPr lang="en-US" altLang="zh-TW" sz="4400" b="1" dirty="0">
               <a:solidFill>
                 <a:srgbClr val="000066"/>
               </a:solidFill>
@@ -3572,29 +3582,7 @@
               <a:buNone/>
             </a:pPr>
             <a:r>
-              <a:rPr lang="zh-TW" altLang="en-US" sz="4800" b="1" dirty="0" smtClean="0">
-                <a:solidFill>
-                  <a:srgbClr val="000066"/>
-                </a:solidFill>
-                <a:latin typeface="微軟正黑體" pitchFamily="34" charset="-120"/>
-                <a:ea typeface="微軟正黑體" pitchFamily="34" charset="-120"/>
-              </a:rPr>
-              <a:t>釋放被擄的靈魂</a:t>
-            </a:r>
-            <a:endParaRPr lang="en-US" altLang="zh-TW" sz="4800" b="1" dirty="0" smtClean="0">
-              <a:solidFill>
-                <a:srgbClr val="000066"/>
-              </a:solidFill>
-              <a:latin typeface="微軟正黑體" pitchFamily="34" charset="-120"/>
-              <a:ea typeface="微軟正黑體" pitchFamily="34" charset="-120"/>
-            </a:endParaRPr>
-          </a:p>
-          <a:p>
-            <a:pPr algn="ctr">
-              <a:buNone/>
-            </a:pPr>
-            <a:r>
-              <a:rPr lang="zh-TW" altLang="en-US" sz="4800" b="1" dirty="0" smtClean="0">
+              <a:rPr lang="zh-TW" altLang="en-US" sz="4400" b="1" dirty="0">
                 <a:solidFill>
                   <a:srgbClr val="000066"/>
                 </a:solidFill>
@@ -3603,7 +3591,7 @@
               </a:rPr>
               <a:t>願你榮耀的國度降臨</a:t>
             </a:r>
-            <a:endParaRPr lang="zh-TW" altLang="en-US" sz="4800" b="1" dirty="0">
+            <a:endParaRPr lang="zh-TW" altLang="en-US" sz="4400" b="1" dirty="0">
               <a:solidFill>
                 <a:srgbClr val="000066"/>
               </a:solidFill>
